--- a/test/pptx/speaker-notes-afterheader/templated.pptx
+++ b/test/pptx/speaker-notes-afterheader/templated.pptx
@@ -5,7 +5,7 @@
     <p:sldMasterId id="2147483648" r:id="rId1"/>
   </p:sldMasterIdLst>
   <p:notesMasterIdLst>
-    <p:NotesMasterId r:id="rId3"/>
+    <p:notesMasterId r:id="rId3"/>
   </p:notesMasterIdLst>
   <p:sldIdLst>
     <p:sldId id="256" r:id="rId2"/>

--- a/test/pptx/speaker-notes-afterheader/templated.pptx
+++ b/test/pptx/speaker-notes-afterheader/templated.pptx
@@ -5454,7 +5454,7 @@
 </file>
 
 <file path=ppt/slideMasters/slideMaster1.xml><?xml version="1.0" encoding="utf-8"?>
-<p:sldMaster xmlns:a="http://schemas.openxmlformats.org/drawingml/2006/main" xmlns:r="http://schemas.openxmlformats.org/officeDocument/2006/relationships" xmlns:p="http://schemas.openxmlformats.org/presentationml/2006/main">
+<p:sldMaster xmlns:a="http://schemas.openxmlformats.org/drawingml/2006/main" xmlns:p="http://schemas.openxmlformats.org/presentationml/2006/main" xmlns:r="http://schemas.openxmlformats.org/officeDocument/2006/relationships">
   <p:cSld>
     <p:bg>
       <p:bgPr>
@@ -5504,7 +5504,7 @@
           </a:prstGeom>
         </p:spPr>
         <p:txBody>
-          <a:bodyPr vert="horz" lIns="91440" tIns="45720" rIns="91440" bIns="45720" rtlCol="0" anchor="ctr">
+          <a:bodyPr anchor="ctr" bIns="45720" lIns="91440" rIns="91440" rtlCol="0" tIns="45720" vert="horz">
             <a:normAutofit/>
           </a:bodyPr>
           <a:lstStyle/>
@@ -5513,7 +5513,7 @@
               <a:rPr lang="en-US" smtClean="0"/>
               <a:t>Click to edit Master title style</a:t>
             </a:r>
-            <a:endParaRPr lang="en-US" dirty="0"/>
+            <a:endParaRPr dirty="0" lang="en-US"/>
           </a:p>
         </p:txBody>
       </p:sp>
@@ -5524,7 +5524,7 @@
             <a:spLocks noGrp="1"/>
           </p:cNvSpPr>
           <p:nvPr>
-            <p:ph type="body" idx="1"/>
+            <p:ph idx="1" type="body"/>
           </p:nvPr>
         </p:nvSpPr>
         <p:spPr>
@@ -5537,7 +5537,7 @@
           </a:prstGeom>
         </p:spPr>
         <p:txBody>
-          <a:bodyPr vert="horz" lIns="91440" tIns="45720" rIns="91440" bIns="45720" rtlCol="0">
+          <a:bodyPr bIns="45720" lIns="91440" rIns="91440" rtlCol="0" tIns="45720" vert="horz">
             <a:normAutofit/>
           </a:bodyPr>
           <a:lstStyle/>
@@ -5575,7 +5575,7 @@
               <a:rPr lang="en-US" smtClean="0"/>
               <a:t>Fifth level</a:t>
             </a:r>
-            <a:endParaRPr lang="en-US" dirty="0"/>
+            <a:endParaRPr dirty="0" lang="en-US"/>
           </a:p>
         </p:txBody>
       </p:sp>
@@ -5586,7 +5586,7 @@
             <a:spLocks noGrp="1"/>
           </p:cNvSpPr>
           <p:nvPr>
-            <p:ph type="dt" sz="half" idx="2"/>
+            <p:ph idx="2" sz="half" type="dt"/>
           </p:nvPr>
         </p:nvSpPr>
         <p:spPr>
@@ -5599,7 +5599,7 @@
           </a:prstGeom>
         </p:spPr>
         <p:txBody>
-          <a:bodyPr vert="horz" lIns="91440" tIns="45720" rIns="91440" bIns="45720" rtlCol="0" anchor="ctr"/>
+          <a:bodyPr anchor="ctr" bIns="45720" lIns="91440" rIns="91440" rtlCol="0" tIns="45720" vert="horz"/>
           <a:lstStyle>
             <a:lvl1pPr algn="l">
               <a:defRPr sz="1200">
@@ -5631,10 +5631,10 @@
           </a:lstStyle>
           <a:p>
             <a:fld id="{51CF1133-3259-4C45-BABA-5B62D9C6F78D}" type="datetimeFigureOut">
-              <a:rPr lang="en-US" dirty="0"/>
+              <a:rPr dirty="0" lang="en-US"/>
               <a:t>2/19/2018</a:t>
             </a:fld>
-            <a:endParaRPr lang="en-US" dirty="0"/>
+            <a:endParaRPr dirty="0" lang="en-US"/>
           </a:p>
         </p:txBody>
       </p:sp>
@@ -5645,7 +5645,7 @@
             <a:spLocks noGrp="1"/>
           </p:cNvSpPr>
           <p:nvPr>
-            <p:ph type="ftr" sz="quarter" idx="3"/>
+            <p:ph idx="3" sz="quarter" type="ftr"/>
           </p:nvPr>
         </p:nvSpPr>
         <p:spPr>
@@ -5658,7 +5658,7 @@
           </a:prstGeom>
         </p:spPr>
         <p:txBody>
-          <a:bodyPr vert="horz" lIns="91440" tIns="45720" rIns="91440" bIns="45720" rtlCol="0" anchor="ctr"/>
+          <a:bodyPr anchor="ctr" bIns="45720" lIns="91440" rIns="91440" rtlCol="0" tIns="45720" vert="horz"/>
           <a:lstStyle>
             <a:lvl1pPr algn="ctr">
               <a:defRPr sz="1200">
@@ -5689,7 +5689,7 @@
             </a:lvl1pPr>
           </a:lstStyle>
           <a:p>
-            <a:endParaRPr lang="en-US" dirty="0"/>
+            <a:endParaRPr dirty="0" lang="en-US"/>
           </a:p>
         </p:txBody>
       </p:sp>
@@ -5700,7 +5700,7 @@
             <a:spLocks noGrp="1"/>
           </p:cNvSpPr>
           <p:nvPr>
-            <p:ph type="sldNum" sz="quarter" idx="4"/>
+            <p:ph idx="4" sz="quarter" type="sldNum"/>
           </p:nvPr>
         </p:nvSpPr>
         <p:spPr>
@@ -5713,7 +5713,7 @@
           </a:prstGeom>
         </p:spPr>
         <p:txBody>
-          <a:bodyPr vert="horz" lIns="91440" tIns="45720" rIns="91440" bIns="45720" rtlCol="0" anchor="ctr"/>
+          <a:bodyPr anchor="ctr" bIns="45720" lIns="91440" rIns="91440" rtlCol="0" tIns="45720" vert="horz"/>
           <a:lstStyle>
             <a:lvl1pPr algn="r">
               <a:defRPr sz="1200">
@@ -5745,17 +5745,17 @@
           </a:lstStyle>
           <a:p>
             <a:fld id="{6D22F896-40B5-4ADD-8801-0D06FADFA095}" type="slidenum">
-              <a:rPr lang="en-US" dirty="0"/>
+              <a:rPr dirty="0" lang="en-US"/>
               <a:pPr/>
               <a:t>‹#›</a:t>
             </a:fld>
-            <a:endParaRPr lang="en-US" dirty="0"/>
+            <a:endParaRPr dirty="0" lang="en-US"/>
           </a:p>
         </p:txBody>
       </p:sp>
     </p:spTree>
   </p:cSld>
-  <p:clrMap bg1="dk1" tx1="lt1" bg2="dk2" tx2="lt2" accent1="accent1" accent2="accent2" accent3="accent3" accent4="accent4" accent5="accent5" accent6="accent6" hlink="hlink" folHlink="folHlink"/>
+  <p:clrMap accent1="accent1" accent2="accent2" accent3="accent3" accent4="accent4" accent5="accent5" accent6="accent6" bg1="dk1" bg2="dk2" folHlink="folHlink" hlink="hlink" tx1="lt1" tx2="lt2"/>
   <p:sldLayoutIdLst>
     <p:sldLayoutId id="2147483649" r:id="rId1"/>
     <p:sldLayoutId id="2147483650" r:id="rId2"/>
@@ -5775,10 +5775,10 @@
     <p:sldLayoutId id="2147483658" r:id="rId16"/>
     <p:sldLayoutId id="2147483659" r:id="rId17"/>
   </p:sldLayoutIdLst>
-  <p:hf sldNum="0" hdr="0" ftr="0" dt="0"/>
+  <p:hf dt="0" ftr="0" hdr="0" sldNum="0"/>
   <p:txStyles>
     <p:titleStyle>
-      <a:lvl1pPr algn="l" defTabSz="914400" rtl="0" eaLnBrk="1" latinLnBrk="0" hangingPunct="1">
+      <a:lvl1pPr algn="l" defTabSz="914400" eaLnBrk="1" hangingPunct="1" latinLnBrk="0" rtl="0">
         <a:lnSpc>
           <a:spcPct val="90000"/>
         </a:lnSpc>
@@ -5786,7 +5786,7 @@
           <a:spcPct val="0"/>
         </a:spcBef>
         <a:buNone/>
-        <a:defRPr sz="5400" b="0" kern="1200">
+        <a:defRPr b="0" kern="1200" sz="5400">
           <a:gradFill flip="none" rotWithShape="1">
             <a:gsLst>
               <a:gs pos="28000">
@@ -5817,16 +5817,16 @@
       </a:lvl1pPr>
     </p:titleStyle>
     <p:bodyStyle>
-      <a:lvl1pPr marL="228600" indent="-228600" algn="l" defTabSz="914400" rtl="0" eaLnBrk="1" latinLnBrk="0" hangingPunct="1">
+      <a:lvl1pPr algn="l" defTabSz="914400" eaLnBrk="1" hangingPunct="1" indent="-228600" latinLnBrk="0" marL="228600" rtl="0">
         <a:lnSpc>
           <a:spcPct val="90000"/>
         </a:lnSpc>
         <a:spcBef>
           <a:spcPts val="1000"/>
         </a:spcBef>
-        <a:buFont typeface="Arial" panose="020B0604020202020204" pitchFamily="34" charset="0"/>
+        <a:buFont charset="0" panose="020B0604020202020204" pitchFamily="34" typeface="Arial"/>
         <a:buChar char="•"/>
-        <a:defRPr sz="2800" kern="1200">
+        <a:defRPr kern="1200" sz="2800">
           <a:gradFill>
             <a:gsLst>
               <a:gs pos="34000">
@@ -5854,16 +5854,16 @@
           <a:cs typeface="+mn-cs"/>
         </a:defRPr>
       </a:lvl1pPr>
-      <a:lvl2pPr marL="685800" indent="-228600" algn="l" defTabSz="914400" rtl="0" eaLnBrk="1" latinLnBrk="0" hangingPunct="1">
+      <a:lvl2pPr algn="l" defTabSz="914400" eaLnBrk="1" hangingPunct="1" indent="-228600" latinLnBrk="0" marL="685800" rtl="0">
         <a:lnSpc>
           <a:spcPct val="90000"/>
         </a:lnSpc>
         <a:spcBef>
           <a:spcPts val="500"/>
         </a:spcBef>
-        <a:buFont typeface="Arial" panose="020B0604020202020204" pitchFamily="34" charset="0"/>
+        <a:buFont charset="0" panose="020B0604020202020204" pitchFamily="34" typeface="Arial"/>
         <a:buChar char="•"/>
-        <a:defRPr sz="2400" kern="1200">
+        <a:defRPr kern="1200" sz="2400">
           <a:gradFill>
             <a:gsLst>
               <a:gs pos="34000">
@@ -5891,16 +5891,16 @@
           <a:cs typeface="+mn-cs"/>
         </a:defRPr>
       </a:lvl2pPr>
-      <a:lvl3pPr marL="1143000" indent="-228600" algn="l" defTabSz="914400" rtl="0" eaLnBrk="1" latinLnBrk="0" hangingPunct="1">
+      <a:lvl3pPr algn="l" defTabSz="914400" eaLnBrk="1" hangingPunct="1" indent="-228600" latinLnBrk="0" marL="1143000" rtl="0">
         <a:lnSpc>
           <a:spcPct val="90000"/>
         </a:lnSpc>
         <a:spcBef>
           <a:spcPts val="500"/>
         </a:spcBef>
-        <a:buFont typeface="Arial" panose="020B0604020202020204" pitchFamily="34" charset="0"/>
+        <a:buFont charset="0" panose="020B0604020202020204" pitchFamily="34" typeface="Arial"/>
         <a:buChar char="•"/>
-        <a:defRPr sz="2000" kern="1200">
+        <a:defRPr kern="1200" sz="2000">
           <a:gradFill>
             <a:gsLst>
               <a:gs pos="34000">
@@ -5928,16 +5928,16 @@
           <a:cs typeface="+mn-cs"/>
         </a:defRPr>
       </a:lvl3pPr>
-      <a:lvl4pPr marL="1600200" indent="-228600" algn="l" defTabSz="914400" rtl="0" eaLnBrk="1" latinLnBrk="0" hangingPunct="1">
+      <a:lvl4pPr algn="l" defTabSz="914400" eaLnBrk="1" hangingPunct="1" indent="-228600" latinLnBrk="0" marL="1600200" rtl="0">
         <a:lnSpc>
           <a:spcPct val="90000"/>
         </a:lnSpc>
         <a:spcBef>
           <a:spcPts val="500"/>
         </a:spcBef>
-        <a:buFont typeface="Arial" panose="020B0604020202020204" pitchFamily="34" charset="0"/>
+        <a:buFont charset="0" panose="020B0604020202020204" pitchFamily="34" typeface="Arial"/>
         <a:buChar char="•"/>
-        <a:defRPr sz="1800" kern="1200">
+        <a:defRPr kern="1200" sz="1800">
           <a:gradFill>
             <a:gsLst>
               <a:gs pos="34000">
@@ -5965,16 +5965,16 @@
           <a:cs typeface="+mn-cs"/>
         </a:defRPr>
       </a:lvl4pPr>
-      <a:lvl5pPr marL="2057400" indent="-228600" algn="l" defTabSz="914400" rtl="0" eaLnBrk="1" latinLnBrk="0" hangingPunct="1">
+      <a:lvl5pPr algn="l" defTabSz="914400" eaLnBrk="1" hangingPunct="1" indent="-228600" latinLnBrk="0" marL="2057400" rtl="0">
         <a:lnSpc>
           <a:spcPct val="90000"/>
         </a:lnSpc>
         <a:spcBef>
           <a:spcPts val="500"/>
         </a:spcBef>
-        <a:buFont typeface="Arial" panose="020B0604020202020204" pitchFamily="34" charset="0"/>
+        <a:buFont charset="0" panose="020B0604020202020204" pitchFamily="34" typeface="Arial"/>
         <a:buChar char="•"/>
-        <a:defRPr sz="1800" kern="1200">
+        <a:defRPr kern="1200" sz="1800">
           <a:gradFill>
             <a:gsLst>
               <a:gs pos="34000">
@@ -6002,16 +6002,16 @@
           <a:cs typeface="+mn-cs"/>
         </a:defRPr>
       </a:lvl5pPr>
-      <a:lvl6pPr marL="2514600" indent="-228600" algn="l" defTabSz="914400" rtl="0" eaLnBrk="1" latinLnBrk="0" hangingPunct="1">
+      <a:lvl6pPr algn="l" defTabSz="914400" eaLnBrk="1" hangingPunct="1" indent="-228600" latinLnBrk="0" marL="2514600" rtl="0">
         <a:lnSpc>
           <a:spcPct val="90000"/>
         </a:lnSpc>
         <a:spcBef>
           <a:spcPts val="500"/>
         </a:spcBef>
-        <a:buFont typeface="Arial" panose="020B0604020202020204" pitchFamily="34" charset="0"/>
+        <a:buFont charset="0" panose="020B0604020202020204" pitchFamily="34" typeface="Arial"/>
         <a:buChar char="•"/>
-        <a:defRPr sz="1800" kern="1200">
+        <a:defRPr kern="1200" sz="1800">
           <a:solidFill>
             <a:schemeClr val="tx1"/>
           </a:solidFill>
@@ -6020,16 +6020,16 @@
           <a:cs typeface="+mn-cs"/>
         </a:defRPr>
       </a:lvl6pPr>
-      <a:lvl7pPr marL="2971800" indent="-228600" algn="l" defTabSz="914400" rtl="0" eaLnBrk="1" latinLnBrk="0" hangingPunct="1">
+      <a:lvl7pPr algn="l" defTabSz="914400" eaLnBrk="1" hangingPunct="1" indent="-228600" latinLnBrk="0" marL="2971800" rtl="0">
         <a:lnSpc>
           <a:spcPct val="90000"/>
         </a:lnSpc>
         <a:spcBef>
           <a:spcPts val="500"/>
         </a:spcBef>
-        <a:buFont typeface="Arial" panose="020B0604020202020204" pitchFamily="34" charset="0"/>
+        <a:buFont charset="0" panose="020B0604020202020204" pitchFamily="34" typeface="Arial"/>
         <a:buChar char="•"/>
-        <a:defRPr sz="1800" kern="1200">
+        <a:defRPr kern="1200" sz="1800">
           <a:solidFill>
             <a:schemeClr val="tx1"/>
           </a:solidFill>
@@ -6038,16 +6038,16 @@
           <a:cs typeface="+mn-cs"/>
         </a:defRPr>
       </a:lvl7pPr>
-      <a:lvl8pPr marL="3429000" indent="-228600" algn="l" defTabSz="914400" rtl="0" eaLnBrk="1" latinLnBrk="0" hangingPunct="1">
+      <a:lvl8pPr algn="l" defTabSz="914400" eaLnBrk="1" hangingPunct="1" indent="-228600" latinLnBrk="0" marL="3429000" rtl="0">
         <a:lnSpc>
           <a:spcPct val="90000"/>
         </a:lnSpc>
         <a:spcBef>
           <a:spcPts val="500"/>
         </a:spcBef>
-        <a:buFont typeface="Arial" panose="020B0604020202020204" pitchFamily="34" charset="0"/>
+        <a:buFont charset="0" panose="020B0604020202020204" pitchFamily="34" typeface="Arial"/>
         <a:buChar char="•"/>
-        <a:defRPr sz="1800" kern="1200">
+        <a:defRPr kern="1200" sz="1800">
           <a:solidFill>
             <a:schemeClr val="tx1"/>
           </a:solidFill>
@@ -6056,16 +6056,16 @@
           <a:cs typeface="+mn-cs"/>
         </a:defRPr>
       </a:lvl8pPr>
-      <a:lvl9pPr marL="3886200" indent="-228600" algn="l" defTabSz="914400" rtl="0" eaLnBrk="1" latinLnBrk="0" hangingPunct="1">
+      <a:lvl9pPr algn="l" defTabSz="914400" eaLnBrk="1" hangingPunct="1" indent="-228600" latinLnBrk="0" marL="3886200" rtl="0">
         <a:lnSpc>
           <a:spcPct val="90000"/>
         </a:lnSpc>
         <a:spcBef>
           <a:spcPts val="500"/>
         </a:spcBef>
-        <a:buFont typeface="Arial" panose="020B0604020202020204" pitchFamily="34" charset="0"/>
+        <a:buFont charset="0" panose="020B0604020202020204" pitchFamily="34" typeface="Arial"/>
         <a:buChar char="•"/>
-        <a:defRPr sz="1800" kern="1200">
+        <a:defRPr kern="1200" sz="1800">
           <a:solidFill>
             <a:schemeClr val="tx1"/>
           </a:solidFill>
@@ -6079,8 +6079,8 @@
       <a:defPPr>
         <a:defRPr lang="en-US"/>
       </a:defPPr>
-      <a:lvl1pPr marL="0" algn="l" defTabSz="914400" rtl="0" eaLnBrk="1" latinLnBrk="0" hangingPunct="1">
-        <a:defRPr sz="1800" kern="1200">
+      <a:lvl1pPr algn="l" defTabSz="914400" eaLnBrk="1" hangingPunct="1" latinLnBrk="0" marL="0" rtl="0">
+        <a:defRPr kern="1200" sz="1800">
           <a:solidFill>
             <a:schemeClr val="tx1"/>
           </a:solidFill>
@@ -6089,8 +6089,8 @@
           <a:cs typeface="+mn-cs"/>
         </a:defRPr>
       </a:lvl1pPr>
-      <a:lvl2pPr marL="457200" algn="l" defTabSz="914400" rtl="0" eaLnBrk="1" latinLnBrk="0" hangingPunct="1">
-        <a:defRPr sz="1800" kern="1200">
+      <a:lvl2pPr algn="l" defTabSz="914400" eaLnBrk="1" hangingPunct="1" latinLnBrk="0" marL="457200" rtl="0">
+        <a:defRPr kern="1200" sz="1800">
           <a:solidFill>
             <a:schemeClr val="tx1"/>
           </a:solidFill>
@@ -6099,8 +6099,8 @@
           <a:cs typeface="+mn-cs"/>
         </a:defRPr>
       </a:lvl2pPr>
-      <a:lvl3pPr marL="914400" algn="l" defTabSz="914400" rtl="0" eaLnBrk="1" latinLnBrk="0" hangingPunct="1">
-        <a:defRPr sz="1800" kern="1200">
+      <a:lvl3pPr algn="l" defTabSz="914400" eaLnBrk="1" hangingPunct="1" latinLnBrk="0" marL="914400" rtl="0">
+        <a:defRPr kern="1200" sz="1800">
           <a:solidFill>
             <a:schemeClr val="tx1"/>
           </a:solidFill>
@@ -6109,8 +6109,8 @@
           <a:cs typeface="+mn-cs"/>
         </a:defRPr>
       </a:lvl3pPr>
-      <a:lvl4pPr marL="1371600" algn="l" defTabSz="914400" rtl="0" eaLnBrk="1" latinLnBrk="0" hangingPunct="1">
-        <a:defRPr sz="1800" kern="1200">
+      <a:lvl4pPr algn="l" defTabSz="914400" eaLnBrk="1" hangingPunct="1" latinLnBrk="0" marL="1371600" rtl="0">
+        <a:defRPr kern="1200" sz="1800">
           <a:solidFill>
             <a:schemeClr val="tx1"/>
           </a:solidFill>
@@ -6119,8 +6119,8 @@
           <a:cs typeface="+mn-cs"/>
         </a:defRPr>
       </a:lvl4pPr>
-      <a:lvl5pPr marL="1828800" algn="l" defTabSz="914400" rtl="0" eaLnBrk="1" latinLnBrk="0" hangingPunct="1">
-        <a:defRPr sz="1800" kern="1200">
+      <a:lvl5pPr algn="l" defTabSz="914400" eaLnBrk="1" hangingPunct="1" latinLnBrk="0" marL="1828800" rtl="0">
+        <a:defRPr kern="1200" sz="1800">
           <a:solidFill>
             <a:schemeClr val="tx1"/>
           </a:solidFill>
@@ -6129,8 +6129,8 @@
           <a:cs typeface="+mn-cs"/>
         </a:defRPr>
       </a:lvl5pPr>
-      <a:lvl6pPr marL="2286000" algn="l" defTabSz="914400" rtl="0" eaLnBrk="1" latinLnBrk="0" hangingPunct="1">
-        <a:defRPr sz="1800" kern="1200">
+      <a:lvl6pPr algn="l" defTabSz="914400" eaLnBrk="1" hangingPunct="1" latinLnBrk="0" marL="2286000" rtl="0">
+        <a:defRPr kern="1200" sz="1800">
           <a:solidFill>
             <a:schemeClr val="tx1"/>
           </a:solidFill>
@@ -6139,8 +6139,8 @@
           <a:cs typeface="+mn-cs"/>
         </a:defRPr>
       </a:lvl6pPr>
-      <a:lvl7pPr marL="2743200" algn="l" defTabSz="914400" rtl="0" eaLnBrk="1" latinLnBrk="0" hangingPunct="1">
-        <a:defRPr sz="1800" kern="1200">
+      <a:lvl7pPr algn="l" defTabSz="914400" eaLnBrk="1" hangingPunct="1" latinLnBrk="0" marL="2743200" rtl="0">
+        <a:defRPr kern="1200" sz="1800">
           <a:solidFill>
             <a:schemeClr val="tx1"/>
           </a:solidFill>
@@ -6149,8 +6149,8 @@
           <a:cs typeface="+mn-cs"/>
         </a:defRPr>
       </a:lvl7pPr>
-      <a:lvl8pPr marL="3200400" algn="l" defTabSz="914400" rtl="0" eaLnBrk="1" latinLnBrk="0" hangingPunct="1">
-        <a:defRPr sz="1800" kern="1200">
+      <a:lvl8pPr algn="l" defTabSz="914400" eaLnBrk="1" hangingPunct="1" latinLnBrk="0" marL="3200400" rtl="0">
+        <a:defRPr kern="1200" sz="1800">
           <a:solidFill>
             <a:schemeClr val="tx1"/>
           </a:solidFill>
@@ -6159,8 +6159,8 @@
           <a:cs typeface="+mn-cs"/>
         </a:defRPr>
       </a:lvl8pPr>
-      <a:lvl9pPr marL="3657600" algn="l" defTabSz="914400" rtl="0" eaLnBrk="1" latinLnBrk="0" hangingPunct="1">
-        <a:defRPr sz="1800" kern="1200">
+      <a:lvl9pPr algn="l" defTabSz="914400" eaLnBrk="1" hangingPunct="1" latinLnBrk="0" marL="3657600" rtl="0">
+        <a:defRPr kern="1200" sz="1800">
           <a:solidFill>
             <a:schemeClr val="tx1"/>
           </a:solidFill>

--- a/test/pptx/speaker-notes-afterheader/templated.pptx
+++ b/test/pptx/speaker-notes-afterheader/templated.pptx
@@ -509,39 +509,7 @@
             </a:pPr>
             <a:r>
               <a:rPr/>
-              <a:t>and</a:t>
-            </a:r>
-            <a:r>
-              <a:rPr/>
-              <a:t> </a:t>
-            </a:r>
-            <a:r>
-              <a:rPr/>
-              <a:t>here</a:t>
-            </a:r>
-            <a:r>
-              <a:rPr/>
-              <a:t> </a:t>
-            </a:r>
-            <a:r>
-              <a:rPr/>
-              <a:t>are</a:t>
-            </a:r>
-            <a:r>
-              <a:rPr/>
-              <a:t> </a:t>
-            </a:r>
-            <a:r>
-              <a:rPr/>
-              <a:t>some</a:t>
-            </a:r>
-            <a:r>
-              <a:rPr/>
-              <a:t> </a:t>
-            </a:r>
-            <a:r>
-              <a:rPr/>
-              <a:t>notes</a:t>
+              <a:t>and here are some notes</a:t>
             </a:r>
           </a:p>
         </p:txBody>
@@ -6211,39 +6179,7 @@
             </a:pPr>
             <a:r>
               <a:rPr/>
-              <a:t>Here</a:t>
-            </a:r>
-            <a:r>
-              <a:rPr/>
-              <a:t> </a:t>
-            </a:r>
-            <a:r>
-              <a:rPr/>
-              <a:t>is</a:t>
-            </a:r>
-            <a:r>
-              <a:rPr/>
-              <a:t> </a:t>
-            </a:r>
-            <a:r>
-              <a:rPr/>
-              <a:t>a</a:t>
-            </a:r>
-            <a:r>
-              <a:rPr/>
-              <a:t> </a:t>
-            </a:r>
-            <a:r>
-              <a:rPr/>
-              <a:t>single</a:t>
-            </a:r>
-            <a:r>
-              <a:rPr/>
-              <a:t> </a:t>
-            </a:r>
-            <a:r>
-              <a:rPr/>
-              <a:t>header</a:t>
+              <a:t>Here is a single header</a:t>
             </a:r>
           </a:p>
         </p:txBody>

--- a/test/pptx/speaker-notes-afterheader/templated.pptx
+++ b/test/pptx/speaker-notes-afterheader/templated.pptx
@@ -509,35 +509,19 @@
             </a:pPr>
             <a:r>
               <a:rPr/>
-              <a:t>and</a:t>
+              <a:t>and </a:t>
             </a:r>
             <a:r>
               <a:rPr/>
-              <a:t> </a:t>
+              <a:t>here </a:t>
             </a:r>
             <a:r>
               <a:rPr/>
-              <a:t>here</a:t>
+              <a:t>are </a:t>
             </a:r>
             <a:r>
               <a:rPr/>
-              <a:t> </a:t>
-            </a:r>
-            <a:r>
-              <a:rPr/>
-              <a:t>are</a:t>
-            </a:r>
-            <a:r>
-              <a:rPr/>
-              <a:t> </a:t>
-            </a:r>
-            <a:r>
-              <a:rPr/>
-              <a:t>some</a:t>
-            </a:r>
-            <a:r>
-              <a:rPr/>
-              <a:t> </a:t>
+              <a:t>some </a:t>
             </a:r>
             <a:r>
               <a:rPr/>
@@ -6211,35 +6195,19 @@
             </a:pPr>
             <a:r>
               <a:rPr/>
-              <a:t>Here</a:t>
+              <a:t>Here </a:t>
             </a:r>
             <a:r>
               <a:rPr/>
-              <a:t> </a:t>
+              <a:t>is </a:t>
             </a:r>
             <a:r>
               <a:rPr/>
-              <a:t>is</a:t>
+              <a:t>a </a:t>
             </a:r>
             <a:r>
               <a:rPr/>
-              <a:t> </a:t>
-            </a:r>
-            <a:r>
-              <a:rPr/>
-              <a:t>a</a:t>
-            </a:r>
-            <a:r>
-              <a:rPr/>
-              <a:t> </a:t>
-            </a:r>
-            <a:r>
-              <a:rPr/>
-              <a:t>single</a:t>
-            </a:r>
-            <a:r>
-              <a:rPr/>
-              <a:t> </a:t>
+              <a:t>single </a:t>
             </a:r>
             <a:r>
               <a:rPr/>

--- a/test/pptx/speaker-notes-afterheader/templated.pptx
+++ b/test/pptx/speaker-notes-afterheader/templated.pptx
@@ -509,19 +509,35 @@
             </a:pPr>
             <a:r>
               <a:rPr/>
-              <a:t>and </a:t>
+              <a:t>and</a:t>
             </a:r>
             <a:r>
               <a:rPr/>
-              <a:t>here </a:t>
+              <a:t> </a:t>
             </a:r>
             <a:r>
               <a:rPr/>
-              <a:t>are </a:t>
+              <a:t>here</a:t>
             </a:r>
             <a:r>
               <a:rPr/>
-              <a:t>some </a:t>
+              <a:t> </a:t>
+            </a:r>
+            <a:r>
+              <a:rPr/>
+              <a:t>are</a:t>
+            </a:r>
+            <a:r>
+              <a:rPr/>
+              <a:t> </a:t>
+            </a:r>
+            <a:r>
+              <a:rPr/>
+              <a:t>some</a:t>
+            </a:r>
+            <a:r>
+              <a:rPr/>
+              <a:t> </a:t>
             </a:r>
             <a:r>
               <a:rPr/>
@@ -6195,19 +6211,35 @@
             </a:pPr>
             <a:r>
               <a:rPr/>
-              <a:t>Here </a:t>
+              <a:t>Here</a:t>
             </a:r>
             <a:r>
               <a:rPr/>
-              <a:t>is </a:t>
+              <a:t> </a:t>
             </a:r>
             <a:r>
               <a:rPr/>
-              <a:t>a </a:t>
+              <a:t>is</a:t>
             </a:r>
             <a:r>
               <a:rPr/>
-              <a:t>single </a:t>
+              <a:t> </a:t>
+            </a:r>
+            <a:r>
+              <a:rPr/>
+              <a:t>a</a:t>
+            </a:r>
+            <a:r>
+              <a:rPr/>
+              <a:t> </a:t>
+            </a:r>
+            <a:r>
+              <a:rPr/>
+              <a:t>single</a:t>
+            </a:r>
+            <a:r>
+              <a:rPr/>
+              <a:t> </a:t>
             </a:r>
             <a:r>
               <a:rPr/>

--- a/test/pptx/speaker-notes-afterheader/templated.pptx
+++ b/test/pptx/speaker-notes-afterheader/templated.pptx
@@ -192,7 +192,7 @@
           <a:p>
             <a:fld id="{0F9C1CCF-B725-44A7-AA57-5E433BD85C9F}" type="datetimeFigureOut">
               <a:rPr lang="en-US" smtClean="0"/>
-              <a:t>4/5/2019</a:t>
+              <a:t>1/2/22</a:t>
             </a:fld>
             <a:endParaRPr lang="en-US"/>
           </a:p>
@@ -210,8 +210,8 @@
         </p:nvSpPr>
         <p:spPr>
           <a:xfrm>
-            <a:off x="1371600" y="1143000"/>
-            <a:ext cx="4114800" cy="3086100"/>
+            <a:off x="685800" y="1143000"/>
+            <a:ext cx="5486400" cy="3086100"/>
           </a:xfrm>
           <a:prstGeom prst="rect">
             <a:avLst/>
@@ -256,38 +256,37 @@
           <a:p>
             <a:pPr lvl="0"/>
             <a:r>
-              <a:rPr lang="en-US" smtClean="0"/>
+              <a:rPr lang="en-US"/>
               <a:t>Click to edit Master text styles</a:t>
             </a:r>
           </a:p>
           <a:p>
             <a:pPr lvl="1"/>
             <a:r>
-              <a:rPr lang="en-US" smtClean="0"/>
+              <a:rPr lang="en-US"/>
               <a:t>Second level</a:t>
             </a:r>
           </a:p>
           <a:p>
             <a:pPr lvl="2"/>
             <a:r>
-              <a:rPr lang="en-US" smtClean="0"/>
+              <a:rPr lang="en-US"/>
               <a:t>Third level</a:t>
             </a:r>
           </a:p>
           <a:p>
             <a:pPr lvl="3"/>
             <a:r>
-              <a:rPr lang="en-US" smtClean="0"/>
+              <a:rPr lang="en-US"/>
               <a:t>Fourth level</a:t>
             </a:r>
           </a:p>
           <a:p>
             <a:pPr lvl="4"/>
             <a:r>
-              <a:rPr lang="en-US" smtClean="0"/>
+              <a:rPr lang="en-US"/>
               <a:t>Fifth level</a:t>
             </a:r>
-            <a:endParaRPr lang="en-US"/>
           </a:p>
         </p:txBody>
       </p:sp>
@@ -504,7 +503,7 @@
           <a:bodyPr/>
           <a:lstStyle/>
           <a:p>
-            <a:pPr lvl="0" marL="0" indent="0">
+            <a:pPr lvl="0" indent="0" marL="0">
               <a:buNone/>
             </a:pPr>
             <a:r>
@@ -6174,7 +6173,7 @@
           <a:bodyPr/>
           <a:lstStyle/>
           <a:p>
-            <a:pPr lvl="0" marL="0" indent="0">
+            <a:pPr lvl="0" indent="0" marL="0">
               <a:buNone/>
             </a:pPr>
             <a:r>
